--- a/추가 기획/레이드 보스 기획/SSU 금성  초기 기획 피피티.pptx
+++ b/추가 기획/레이드 보스 기획/SSU 금성  초기 기획 피피티.pptx
@@ -268,7 +268,7 @@
           <a:p>
             <a:fld id="{A43016AF-445C-497E-AE38-89EF5A29BAB9}" type="datetimeFigureOut">
               <a:rPr lang="ko-KR" altLang="en-US" smtClean="0"/>
-              <a:t>2021-09-08</a:t>
+              <a:t>2021-09-09</a:t>
             </a:fld>
             <a:endParaRPr lang="ko-KR" altLang="en-US"/>
           </a:p>
@@ -438,7 +438,7 @@
           <a:p>
             <a:fld id="{A43016AF-445C-497E-AE38-89EF5A29BAB9}" type="datetimeFigureOut">
               <a:rPr lang="ko-KR" altLang="en-US" smtClean="0"/>
-              <a:t>2021-09-08</a:t>
+              <a:t>2021-09-09</a:t>
             </a:fld>
             <a:endParaRPr lang="ko-KR" altLang="en-US"/>
           </a:p>
@@ -618,7 +618,7 @@
           <a:p>
             <a:fld id="{A43016AF-445C-497E-AE38-89EF5A29BAB9}" type="datetimeFigureOut">
               <a:rPr lang="ko-KR" altLang="en-US" smtClean="0"/>
-              <a:t>2021-09-08</a:t>
+              <a:t>2021-09-09</a:t>
             </a:fld>
             <a:endParaRPr lang="ko-KR" altLang="en-US"/>
           </a:p>
@@ -788,7 +788,7 @@
           <a:p>
             <a:fld id="{A43016AF-445C-497E-AE38-89EF5A29BAB9}" type="datetimeFigureOut">
               <a:rPr lang="ko-KR" altLang="en-US" smtClean="0"/>
-              <a:t>2021-09-08</a:t>
+              <a:t>2021-09-09</a:t>
             </a:fld>
             <a:endParaRPr lang="ko-KR" altLang="en-US"/>
           </a:p>
@@ -1034,7 +1034,7 @@
           <a:p>
             <a:fld id="{A43016AF-445C-497E-AE38-89EF5A29BAB9}" type="datetimeFigureOut">
               <a:rPr lang="ko-KR" altLang="en-US" smtClean="0"/>
-              <a:t>2021-09-08</a:t>
+              <a:t>2021-09-09</a:t>
             </a:fld>
             <a:endParaRPr lang="ko-KR" altLang="en-US"/>
           </a:p>
@@ -1266,7 +1266,7 @@
           <a:p>
             <a:fld id="{A43016AF-445C-497E-AE38-89EF5A29BAB9}" type="datetimeFigureOut">
               <a:rPr lang="ko-KR" altLang="en-US" smtClean="0"/>
-              <a:t>2021-09-08</a:t>
+              <a:t>2021-09-09</a:t>
             </a:fld>
             <a:endParaRPr lang="ko-KR" altLang="en-US"/>
           </a:p>
@@ -1633,7 +1633,7 @@
           <a:p>
             <a:fld id="{A43016AF-445C-497E-AE38-89EF5A29BAB9}" type="datetimeFigureOut">
               <a:rPr lang="ko-KR" altLang="en-US" smtClean="0"/>
-              <a:t>2021-09-08</a:t>
+              <a:t>2021-09-09</a:t>
             </a:fld>
             <a:endParaRPr lang="ko-KR" altLang="en-US"/>
           </a:p>
@@ -1751,7 +1751,7 @@
           <a:p>
             <a:fld id="{A43016AF-445C-497E-AE38-89EF5A29BAB9}" type="datetimeFigureOut">
               <a:rPr lang="ko-KR" altLang="en-US" smtClean="0"/>
-              <a:t>2021-09-08</a:t>
+              <a:t>2021-09-09</a:t>
             </a:fld>
             <a:endParaRPr lang="ko-KR" altLang="en-US"/>
           </a:p>
@@ -1846,7 +1846,7 @@
           <a:p>
             <a:fld id="{A43016AF-445C-497E-AE38-89EF5A29BAB9}" type="datetimeFigureOut">
               <a:rPr lang="ko-KR" altLang="en-US" smtClean="0"/>
-              <a:t>2021-09-08</a:t>
+              <a:t>2021-09-09</a:t>
             </a:fld>
             <a:endParaRPr lang="ko-KR" altLang="en-US"/>
           </a:p>
@@ -2123,7 +2123,7 @@
           <a:p>
             <a:fld id="{A43016AF-445C-497E-AE38-89EF5A29BAB9}" type="datetimeFigureOut">
               <a:rPr lang="ko-KR" altLang="en-US" smtClean="0"/>
-              <a:t>2021-09-08</a:t>
+              <a:t>2021-09-09</a:t>
             </a:fld>
             <a:endParaRPr lang="ko-KR" altLang="en-US"/>
           </a:p>
@@ -2380,7 +2380,7 @@
           <a:p>
             <a:fld id="{A43016AF-445C-497E-AE38-89EF5A29BAB9}" type="datetimeFigureOut">
               <a:rPr lang="ko-KR" altLang="en-US" smtClean="0"/>
-              <a:t>2021-09-08</a:t>
+              <a:t>2021-09-09</a:t>
             </a:fld>
             <a:endParaRPr lang="ko-KR" altLang="en-US"/>
           </a:p>
@@ -2593,7 +2593,7 @@
           <a:p>
             <a:fld id="{A43016AF-445C-497E-AE38-89EF5A29BAB9}" type="datetimeFigureOut">
               <a:rPr lang="ko-KR" altLang="en-US" smtClean="0"/>
-              <a:t>2021-09-08</a:t>
+              <a:t>2021-09-09</a:t>
             </a:fld>
             <a:endParaRPr lang="ko-KR" altLang="en-US"/>
           </a:p>
@@ -5770,15 +5770,7 @@
             </a:br>
             <a:r>
               <a:rPr lang="ko-KR" altLang="en-US" sz="2200" dirty="0"/>
-              <a:t>전자 구슬에 맞으면 철의 </a:t>
-            </a:r>
-            <a:r>
-              <a:rPr lang="ko-KR" altLang="en-US" sz="2200" dirty="0" err="1"/>
-              <a:t>부식인해</a:t>
-            </a:r>
-            <a:r>
-              <a:rPr lang="ko-KR" altLang="en-US" sz="2200" dirty="0"/>
-              <a:t> 공격력이 </a:t>
+              <a:t>전자 구슬에 맞으면 철의 부식으로 인해 공격력이 </a:t>
             </a:r>
             <a:r>
               <a:rPr lang="en-US" altLang="ko-KR" sz="2200" dirty="0"/>
@@ -5791,10 +5783,7 @@
             <a:br>
               <a:rPr lang="en-US" altLang="ko-KR" dirty="0"/>
             </a:br>
-            <a:r>
-              <a:rPr lang="ko-KR" altLang="en-US" dirty="0"/>
-              <a:t> </a:t>
-            </a:r>
+            <a:endParaRPr lang="ko-KR" altLang="en-US" dirty="0"/>
           </a:p>
         </p:txBody>
       </p:sp>
@@ -7940,7 +7929,7 @@
             </a:pPr>
             <a:r>
               <a:rPr lang="ko-KR" altLang="en-US" dirty="0"/>
-              <a:t>조개 서핑</a:t>
+              <a:t>조개 서핑 </a:t>
             </a:r>
             <a:endParaRPr lang="en-US" altLang="ko-KR" dirty="0"/>
           </a:p>
@@ -8118,7 +8107,7 @@
         <p:spPr>
           <a:xfrm>
             <a:off x="433137" y="1588168"/>
-            <a:ext cx="4507831" cy="4339650"/>
+            <a:ext cx="4507831" cy="4616648"/>
           </a:xfrm>
           <a:prstGeom prst="rect">
             <a:avLst/>
@@ -8172,31 +8161,24 @@
           <a:p>
             <a:r>
               <a:rPr lang="ko-KR" altLang="en-US" dirty="0"/>
-              <a:t>화살이 일정 범위내  </a:t>
+              <a:t>일정 범위내  모든 파티원이 </a:t>
             </a:r>
             <a:r>
               <a:rPr lang="ko-KR" altLang="en-US" dirty="0" err="1"/>
-              <a:t>파티원</a:t>
-            </a:r>
+              <a:t>타겟팅된다</a:t>
+            </a:r>
+            <a:r>
+              <a:rPr lang="en-US" altLang="ko-KR" dirty="0"/>
+              <a:t>..</a:t>
+            </a:r>
+          </a:p>
+          <a:p>
+            <a:endParaRPr lang="en-US" altLang="ko-KR" dirty="0"/>
+          </a:p>
+          <a:p>
             <a:r>
               <a:rPr lang="ko-KR" altLang="en-US" dirty="0"/>
-              <a:t> </a:t>
-            </a:r>
-            <a:r>
-              <a:rPr lang="en-US" altLang="ko-KR" dirty="0"/>
-              <a:t>1</a:t>
-            </a:r>
-            <a:r>
-              <a:rPr lang="ko-KR" altLang="en-US" dirty="0"/>
-              <a:t>명당 최소 하나 씩 </a:t>
-            </a:r>
-            <a:r>
-              <a:rPr lang="ko-KR" altLang="en-US" dirty="0" err="1"/>
-              <a:t>타겟팅되어</a:t>
-            </a:r>
-            <a:r>
-              <a:rPr lang="ko-KR" altLang="en-US" dirty="0"/>
-              <a:t> 겨냥한다</a:t>
+              <a:t>범위 밖으로 이동하면 타겟팅이 해제된다</a:t>
             </a:r>
             <a:r>
               <a:rPr lang="en-US" altLang="ko-KR" dirty="0"/>
@@ -8208,8 +8190,12 @@
           </a:p>
           <a:p>
             <a:r>
+              <a:rPr lang="ko-KR" altLang="en-US" dirty="0" err="1"/>
+              <a:t>타겟팅된</a:t>
+            </a:r>
+            <a:r>
               <a:rPr lang="ko-KR" altLang="en-US" dirty="0"/>
-              <a:t>파티원을 추적해 일정시간 후 화살을 발사해서 매혹에 걸리게 한다</a:t>
+              <a:t> 파티원에게 일정시간 후 화살을 발사해서 매혹에 걸리게 한다</a:t>
             </a:r>
             <a:r>
               <a:rPr lang="en-US" altLang="ko-KR" dirty="0"/>
